--- a/docs/Implementacion de patrones.pptx
+++ b/docs/Implementacion de patrones.pptx
@@ -5,7 +5,7 @@
     <p:sldMasterId id="2147483648" r:id="rId1"/>
   </p:sldMasterIdLst>
   <p:handoutMasterIdLst>
-    <p:handoutMasterId r:id="rId10"/>
+    <p:handoutMasterId r:id="rId11"/>
   </p:handoutMasterIdLst>
   <p:sldIdLst>
     <p:sldId id="256" r:id="rId2"/>
@@ -16,6 +16,7 @@
     <p:sldId id="263" r:id="rId7"/>
     <p:sldId id="264" r:id="rId8"/>
     <p:sldId id="266" r:id="rId9"/>
+    <p:sldId id="268" r:id="rId10"/>
   </p:sldIdLst>
   <p:sldSz cx="12192000" cy="6858000"/>
   <p:notesSz cx="6858000" cy="9144000"/>
@@ -2702,6 +2703,123 @@
     <p:extLst>
       <p:ext uri="{BB962C8B-B14F-4D97-AF65-F5344CB8AC3E}">
         <p14:creationId xmlns:p14="http://schemas.microsoft.com/office/powerpoint/2010/main" val="1719460568"/>
+      </p:ext>
+    </p:extLst>
+  </p:cSld>
+  <p:clrMapOvr>
+    <a:masterClrMapping/>
+  </p:clrMapOvr>
+</p:sld>
+</file>
+
+<file path=ppt/slides/slide9.xml><?xml version="1.0" encoding="utf-8"?>
+<p:sld xmlns:a="http://schemas.openxmlformats.org/drawingml/2006/main" xmlns:r="http://schemas.openxmlformats.org/officeDocument/2006/relationships" xmlns:p="http://schemas.openxmlformats.org/presentationml/2006/main">
+  <p:cSld>
+    <p:spTree>
+      <p:nvGrpSpPr>
+        <p:cNvPr id="1" name=""/>
+        <p:cNvGrpSpPr/>
+        <p:nvPr/>
+      </p:nvGrpSpPr>
+      <p:grpSpPr>
+        <a:xfrm>
+          <a:off x="0" y="0"/>
+          <a:ext cx="0" cy="0"/>
+          <a:chOff x="0" y="0"/>
+          <a:chExt cx="0" cy="0"/>
+        </a:xfrm>
+      </p:grpSpPr>
+      <p:sp>
+        <p:nvSpPr>
+          <p:cNvPr id="2" name="Título 1"/>
+          <p:cNvSpPr>
+            <a:spLocks noGrp="1"/>
+          </p:cNvSpPr>
+          <p:nvPr>
+            <p:ph type="title"/>
+          </p:nvPr>
+        </p:nvSpPr>
+        <p:spPr/>
+        <p:txBody>
+          <a:bodyPr/>
+          <a:lstStyle/>
+          <a:p>
+            <a:r>
+              <a:rPr lang="es-CO" b="1" dirty="0">
+                <a:latin typeface="Century Gothic" panose="020B0502020202020204" pitchFamily="34" charset="0"/>
+              </a:rPr>
+              <a:t>PATTERNS</a:t>
+            </a:r>
+          </a:p>
+        </p:txBody>
+      </p:sp>
+      <p:sp>
+        <p:nvSpPr>
+          <p:cNvPr id="3" name="Marcador de contenido 2"/>
+          <p:cNvSpPr>
+            <a:spLocks noGrp="1"/>
+          </p:cNvSpPr>
+          <p:nvPr>
+            <p:ph idx="1"/>
+          </p:nvPr>
+        </p:nvSpPr>
+        <p:spPr/>
+        <p:txBody>
+          <a:bodyPr/>
+          <a:lstStyle/>
+          <a:p>
+            <a:pPr marL="0" indent="0">
+              <a:buNone/>
+            </a:pPr>
+            <a:r>
+              <a:rPr lang="es-CO" sz="2400" dirty="0">
+                <a:latin typeface="Trebuchet MS" panose="020B0603020202020204" pitchFamily="34" charset="0"/>
+              </a:rPr>
+              <a:t>     DECORATOR</a:t>
+            </a:r>
+          </a:p>
+        </p:txBody>
+      </p:sp>
+      <p:pic>
+        <p:nvPicPr>
+          <p:cNvPr id="4" name="Imagen 3">
+            <a:extLst>
+              <a:ext uri="{FF2B5EF4-FFF2-40B4-BE49-F238E27FC236}">
+                <a16:creationId xmlns:a16="http://schemas.microsoft.com/office/drawing/2014/main" id="{514496DE-BE7F-4A7D-9619-B7371CC177FD}"/>
+              </a:ext>
+            </a:extLst>
+          </p:cNvPr>
+          <p:cNvPicPr>
+            <a:picLocks noChangeAspect="1"/>
+          </p:cNvPicPr>
+          <p:nvPr/>
+        </p:nvPicPr>
+        <p:blipFill>
+          <a:blip r:embed="rId2"/>
+          <a:stretch>
+            <a:fillRect/>
+          </a:stretch>
+        </p:blipFill>
+        <p:spPr>
+          <a:xfrm>
+            <a:off x="3661312" y="1155288"/>
+            <a:ext cx="7595015" cy="4895529"/>
+          </a:xfrm>
+          <a:prstGeom prst="rect">
+            <a:avLst/>
+          </a:prstGeom>
+          <a:ln>
+            <a:noFill/>
+          </a:ln>
+          <a:effectLst>
+            <a:softEdge rad="112500"/>
+          </a:effectLst>
+        </p:spPr>
+      </p:pic>
+    </p:spTree>
+    <p:extLst>
+      <p:ext uri="{BB962C8B-B14F-4D97-AF65-F5344CB8AC3E}">
+        <p14:creationId xmlns:p14="http://schemas.microsoft.com/office/powerpoint/2010/main" val="665530778"/>
       </p:ext>
     </p:extLst>
   </p:cSld>

--- a/docs/Implementacion de patrones.pptx
+++ b/docs/Implementacion de patrones.pptx
@@ -5,7 +5,7 @@
     <p:sldMasterId id="2147483648" r:id="rId1"/>
   </p:sldMasterIdLst>
   <p:handoutMasterIdLst>
-    <p:handoutMasterId r:id="rId11"/>
+    <p:handoutMasterId r:id="rId12"/>
   </p:handoutMasterIdLst>
   <p:sldIdLst>
     <p:sldId id="256" r:id="rId2"/>
@@ -17,6 +17,7 @@
     <p:sldId id="264" r:id="rId8"/>
     <p:sldId id="266" r:id="rId9"/>
     <p:sldId id="268" r:id="rId10"/>
+    <p:sldId id="270" r:id="rId11"/>
   </p:sldIdLst>
   <p:sldSz cx="12192000" cy="6858000"/>
   <p:notesSz cx="6858000" cy="9144000"/>
@@ -208,7 +209,7 @@
           <a:p>
             <a:fld id="{D803682D-DFA3-46F6-B849-9DE0A883538B}" type="datetimeFigureOut">
               <a:rPr lang="es-CO" smtClean="0"/>
-              <a:t>23/04/2018</a:t>
+              <a:t>8/05/2018</a:t>
             </a:fld>
             <a:endParaRPr lang="es-CO"/>
           </a:p>
@@ -779,7 +780,7 @@
           <a:p>
             <a:fld id="{68169EC0-D390-4C18-9EA8-613EAF08528F}" type="datetimeFigureOut">
               <a:rPr lang="es-CO" smtClean="0"/>
-              <a:t>23/04/2018</a:t>
+              <a:t>8/05/2018</a:t>
             </a:fld>
             <a:endParaRPr lang="es-CO"/>
           </a:p>
@@ -1844,6 +1845,122 @@
     <p:extLst>
       <p:ext uri="{BB962C8B-B14F-4D97-AF65-F5344CB8AC3E}">
         <p14:creationId xmlns:p14="http://schemas.microsoft.com/office/powerpoint/2010/main" val="1256344413"/>
+      </p:ext>
+    </p:extLst>
+  </p:cSld>
+  <p:clrMapOvr>
+    <a:masterClrMapping/>
+  </p:clrMapOvr>
+</p:sld>
+</file>
+
+<file path=ppt/slides/slide10.xml><?xml version="1.0" encoding="utf-8"?>
+<p:sld xmlns:a="http://schemas.openxmlformats.org/drawingml/2006/main" xmlns:r="http://schemas.openxmlformats.org/officeDocument/2006/relationships" xmlns:p="http://schemas.openxmlformats.org/presentationml/2006/main">
+  <p:cSld>
+    <p:spTree>
+      <p:nvGrpSpPr>
+        <p:cNvPr id="1" name=""/>
+        <p:cNvGrpSpPr/>
+        <p:nvPr/>
+      </p:nvGrpSpPr>
+      <p:grpSpPr>
+        <a:xfrm>
+          <a:off x="0" y="0"/>
+          <a:ext cx="0" cy="0"/>
+          <a:chOff x="0" y="0"/>
+          <a:chExt cx="0" cy="0"/>
+        </a:xfrm>
+      </p:grpSpPr>
+      <p:sp>
+        <p:nvSpPr>
+          <p:cNvPr id="2" name="Título 1"/>
+          <p:cNvSpPr>
+            <a:spLocks noGrp="1"/>
+          </p:cNvSpPr>
+          <p:nvPr>
+            <p:ph type="title"/>
+          </p:nvPr>
+        </p:nvSpPr>
+        <p:spPr/>
+        <p:txBody>
+          <a:bodyPr/>
+          <a:lstStyle/>
+          <a:p>
+            <a:r>
+              <a:rPr lang="es-CO" b="1" dirty="0">
+                <a:latin typeface="Century Gothic" panose="020B0502020202020204" pitchFamily="34" charset="0"/>
+              </a:rPr>
+              <a:t>PATTERNS</a:t>
+            </a:r>
+          </a:p>
+        </p:txBody>
+      </p:sp>
+      <p:sp>
+        <p:nvSpPr>
+          <p:cNvPr id="3" name="Marcador de contenido 2"/>
+          <p:cNvSpPr>
+            <a:spLocks noGrp="1"/>
+          </p:cNvSpPr>
+          <p:nvPr>
+            <p:ph idx="1"/>
+          </p:nvPr>
+        </p:nvSpPr>
+        <p:spPr/>
+        <p:txBody>
+          <a:bodyPr/>
+          <a:lstStyle/>
+          <a:p>
+            <a:pPr marL="0" indent="0">
+              <a:buNone/>
+            </a:pPr>
+            <a:r>
+              <a:rPr lang="es-CO" sz="2400" dirty="0">
+                <a:latin typeface="Trebuchet MS" panose="020B0603020202020204" pitchFamily="34" charset="0"/>
+              </a:rPr>
+              <a:t>     PROXY</a:t>
+            </a:r>
+          </a:p>
+        </p:txBody>
+      </p:sp>
+      <p:pic>
+        <p:nvPicPr>
+          <p:cNvPr id="5" name="Imagen 4">
+            <a:extLst>
+              <a:ext uri="{FF2B5EF4-FFF2-40B4-BE49-F238E27FC236}">
+                <a16:creationId xmlns:a16="http://schemas.microsoft.com/office/drawing/2014/main" id="{B099679D-4949-47FF-A6AC-E0635341B151}"/>
+              </a:ext>
+            </a:extLst>
+          </p:cNvPr>
+          <p:cNvPicPr>
+            <a:picLocks noChangeAspect="1"/>
+          </p:cNvPicPr>
+          <p:nvPr/>
+        </p:nvPicPr>
+        <p:blipFill rotWithShape="1">
+          <a:blip r:embed="rId2"/>
+          <a:srcRect t="4385"/>
+          <a:stretch/>
+        </p:blipFill>
+        <p:spPr>
+          <a:xfrm>
+            <a:off x="4250055" y="1153549"/>
+            <a:ext cx="5886450" cy="5300443"/>
+          </a:xfrm>
+          <a:prstGeom prst="rect">
+            <a:avLst/>
+          </a:prstGeom>
+          <a:ln>
+            <a:noFill/>
+          </a:ln>
+          <a:effectLst>
+            <a:softEdge rad="112500"/>
+          </a:effectLst>
+        </p:spPr>
+      </p:pic>
+    </p:spTree>
+    <p:extLst>
+      <p:ext uri="{BB962C8B-B14F-4D97-AF65-F5344CB8AC3E}">
+        <p14:creationId xmlns:p14="http://schemas.microsoft.com/office/powerpoint/2010/main" val="4201869870"/>
       </p:ext>
     </p:extLst>
   </p:cSld>

--- a/docs/Implementacion de patrones.pptx
+++ b/docs/Implementacion de patrones.pptx
@@ -5,7 +5,7 @@
     <p:sldMasterId id="2147483648" r:id="rId1"/>
   </p:sldMasterIdLst>
   <p:handoutMasterIdLst>
-    <p:handoutMasterId r:id="rId12"/>
+    <p:handoutMasterId r:id="rId13"/>
   </p:handoutMasterIdLst>
   <p:sldIdLst>
     <p:sldId id="256" r:id="rId2"/>
@@ -18,6 +18,7 @@
     <p:sldId id="266" r:id="rId9"/>
     <p:sldId id="268" r:id="rId10"/>
     <p:sldId id="270" r:id="rId11"/>
+    <p:sldId id="271" r:id="rId12"/>
   </p:sldIdLst>
   <p:sldSz cx="12192000" cy="6858000"/>
   <p:notesSz cx="6858000" cy="9144000"/>
@@ -1961,6 +1962,117 @@
     <p:extLst>
       <p:ext uri="{BB962C8B-B14F-4D97-AF65-F5344CB8AC3E}">
         <p14:creationId xmlns:p14="http://schemas.microsoft.com/office/powerpoint/2010/main" val="4201869870"/>
+      </p:ext>
+    </p:extLst>
+  </p:cSld>
+  <p:clrMapOvr>
+    <a:masterClrMapping/>
+  </p:clrMapOvr>
+</p:sld>
+</file>
+
+<file path=ppt/slides/slide11.xml><?xml version="1.0" encoding="utf-8"?>
+<p:sld xmlns:a="http://schemas.openxmlformats.org/drawingml/2006/main" xmlns:r="http://schemas.openxmlformats.org/officeDocument/2006/relationships" xmlns:p="http://schemas.openxmlformats.org/presentationml/2006/main">
+  <p:cSld>
+    <p:spTree>
+      <p:nvGrpSpPr>
+        <p:cNvPr id="1" name=""/>
+        <p:cNvGrpSpPr/>
+        <p:nvPr/>
+      </p:nvGrpSpPr>
+      <p:grpSpPr>
+        <a:xfrm>
+          <a:off x="0" y="0"/>
+          <a:ext cx="0" cy="0"/>
+          <a:chOff x="0" y="0"/>
+          <a:chExt cx="0" cy="0"/>
+        </a:xfrm>
+      </p:grpSpPr>
+      <p:sp>
+        <p:nvSpPr>
+          <p:cNvPr id="2" name="Título 1"/>
+          <p:cNvSpPr>
+            <a:spLocks noGrp="1"/>
+          </p:cNvSpPr>
+          <p:nvPr>
+            <p:ph type="title"/>
+          </p:nvPr>
+        </p:nvSpPr>
+        <p:spPr/>
+        <p:txBody>
+          <a:bodyPr/>
+          <a:lstStyle/>
+          <a:p>
+            <a:r>
+              <a:rPr lang="es-CO" b="1" dirty="0">
+                <a:latin typeface="Century Gothic" panose="020B0502020202020204" pitchFamily="34" charset="0"/>
+              </a:rPr>
+              <a:t>PATTERNS</a:t>
+            </a:r>
+          </a:p>
+        </p:txBody>
+      </p:sp>
+      <p:sp>
+        <p:nvSpPr>
+          <p:cNvPr id="3" name="Marcador de contenido 2"/>
+          <p:cNvSpPr>
+            <a:spLocks noGrp="1"/>
+          </p:cNvSpPr>
+          <p:nvPr>
+            <p:ph idx="1"/>
+          </p:nvPr>
+        </p:nvSpPr>
+        <p:spPr/>
+        <p:txBody>
+          <a:bodyPr/>
+          <a:lstStyle/>
+          <a:p>
+            <a:pPr marL="0" indent="0">
+              <a:buNone/>
+            </a:pPr>
+            <a:r>
+              <a:rPr lang="es-CO" sz="2400" dirty="0">
+                <a:latin typeface="Trebuchet MS" panose="020B0603020202020204" pitchFamily="34" charset="0"/>
+              </a:rPr>
+              <a:t>     COMPOSITE</a:t>
+            </a:r>
+          </a:p>
+        </p:txBody>
+      </p:sp>
+      <p:pic>
+        <p:nvPicPr>
+          <p:cNvPr id="4" name="Imagen 3">
+            <a:extLst>
+              <a:ext uri="{FF2B5EF4-FFF2-40B4-BE49-F238E27FC236}">
+                <a16:creationId xmlns:a16="http://schemas.microsoft.com/office/drawing/2014/main" id="{B89F87F6-C0D4-488B-B32D-193074F6F150}"/>
+              </a:ext>
+            </a:extLst>
+          </p:cNvPr>
+          <p:cNvPicPr>
+            <a:picLocks noChangeAspect="1"/>
+          </p:cNvPicPr>
+          <p:nvPr/>
+        </p:nvPicPr>
+        <p:blipFill>
+          <a:blip r:embed="rId2"/>
+          <a:stretch>
+            <a:fillRect/>
+          </a:stretch>
+        </p:blipFill>
+        <p:spPr>
+          <a:xfrm>
+            <a:off x="4382451" y="1418528"/>
+            <a:ext cx="7523799" cy="4799392"/>
+          </a:xfrm>
+          <a:prstGeom prst="rect">
+            <a:avLst/>
+          </a:prstGeom>
+        </p:spPr>
+      </p:pic>
+    </p:spTree>
+    <p:extLst>
+      <p:ext uri="{BB962C8B-B14F-4D97-AF65-F5344CB8AC3E}">
+        <p14:creationId xmlns:p14="http://schemas.microsoft.com/office/powerpoint/2010/main" val="3938917623"/>
       </p:ext>
     </p:extLst>
   </p:cSld>

--- a/docs/Implementacion de patrones.pptx
+++ b/docs/Implementacion de patrones.pptx
@@ -5,7 +5,7 @@
     <p:sldMasterId id="2147483648" r:id="rId1"/>
   </p:sldMasterIdLst>
   <p:handoutMasterIdLst>
-    <p:handoutMasterId r:id="rId13"/>
+    <p:handoutMasterId r:id="rId14"/>
   </p:handoutMasterIdLst>
   <p:sldIdLst>
     <p:sldId id="256" r:id="rId2"/>
@@ -19,6 +19,7 @@
     <p:sldId id="268" r:id="rId10"/>
     <p:sldId id="270" r:id="rId11"/>
     <p:sldId id="271" r:id="rId12"/>
+    <p:sldId id="272" r:id="rId13"/>
   </p:sldIdLst>
   <p:sldSz cx="12192000" cy="6858000"/>
   <p:notesSz cx="6858000" cy="9144000"/>
@@ -2041,10 +2042,10 @@
       </p:sp>
       <p:pic>
         <p:nvPicPr>
-          <p:cNvPr id="4" name="Imagen 3">
+          <p:cNvPr id="5" name="Imagen 4">
             <a:extLst>
               <a:ext uri="{FF2B5EF4-FFF2-40B4-BE49-F238E27FC236}">
-                <a16:creationId xmlns:a16="http://schemas.microsoft.com/office/drawing/2014/main" id="{B89F87F6-C0D4-488B-B32D-193074F6F150}"/>
+                <a16:creationId xmlns:a16="http://schemas.microsoft.com/office/drawing/2014/main" id="{B6419724-1A65-4559-8CC0-A092DFA54C08}"/>
               </a:ext>
             </a:extLst>
           </p:cNvPr>
@@ -2061,8 +2062,8 @@
         </p:blipFill>
         <p:spPr>
           <a:xfrm>
-            <a:off x="4382451" y="1418528"/>
-            <a:ext cx="7523799" cy="4799392"/>
+            <a:off x="3894898" y="1284287"/>
+            <a:ext cx="7077902" cy="5069986"/>
           </a:xfrm>
           <a:prstGeom prst="rect">
             <a:avLst/>
@@ -2073,6 +2074,70 @@
     <p:extLst>
       <p:ext uri="{BB962C8B-B14F-4D97-AF65-F5344CB8AC3E}">
         <p14:creationId xmlns:p14="http://schemas.microsoft.com/office/powerpoint/2010/main" val="3938917623"/>
+      </p:ext>
+    </p:extLst>
+  </p:cSld>
+  <p:clrMapOvr>
+    <a:masterClrMapping/>
+  </p:clrMapOvr>
+</p:sld>
+</file>
+
+<file path=ppt/slides/slide12.xml><?xml version="1.0" encoding="utf-8"?>
+<p:sld xmlns:a="http://schemas.openxmlformats.org/drawingml/2006/main" xmlns:r="http://schemas.openxmlformats.org/officeDocument/2006/relationships" xmlns:p="http://schemas.openxmlformats.org/presentationml/2006/main">
+  <p:cSld>
+    <p:spTree>
+      <p:nvGrpSpPr>
+        <p:cNvPr id="1" name=""/>
+        <p:cNvGrpSpPr/>
+        <p:nvPr/>
+      </p:nvGrpSpPr>
+      <p:grpSpPr>
+        <a:xfrm>
+          <a:off x="0" y="0"/>
+          <a:ext cx="0" cy="0"/>
+          <a:chOff x="0" y="0"/>
+          <a:chExt cx="0" cy="0"/>
+        </a:xfrm>
+      </p:grpSpPr>
+      <p:sp>
+        <p:nvSpPr>
+          <p:cNvPr id="2" name="Título 1">
+            <a:extLst>
+              <a:ext uri="{FF2B5EF4-FFF2-40B4-BE49-F238E27FC236}">
+                <a16:creationId xmlns:a16="http://schemas.microsoft.com/office/drawing/2014/main" id="{C21CCB2B-073B-473D-B364-EFC541A05DE4}"/>
+              </a:ext>
+            </a:extLst>
+          </p:cNvPr>
+          <p:cNvSpPr>
+            <a:spLocks noGrp="1"/>
+          </p:cNvSpPr>
+          <p:nvPr>
+            <p:ph type="title"/>
+          </p:nvPr>
+        </p:nvSpPr>
+        <p:spPr>
+          <a:xfrm>
+            <a:off x="2475917" y="3429000"/>
+            <a:ext cx="7480300" cy="963613"/>
+          </a:xfrm>
+        </p:spPr>
+        <p:txBody>
+          <a:bodyPr/>
+          <a:lstStyle/>
+          <a:p>
+            <a:pPr algn="ctr"/>
+            <a:r>
+              <a:rPr lang="es-CO" sz="3600" dirty="0"/>
+              <a:t>Gracias</a:t>
+            </a:r>
+          </a:p>
+        </p:txBody>
+      </p:sp>
+    </p:spTree>
+    <p:extLst>
+      <p:ext uri="{BB962C8B-B14F-4D97-AF65-F5344CB8AC3E}">
+        <p14:creationId xmlns:p14="http://schemas.microsoft.com/office/powerpoint/2010/main" val="3285444991"/>
       </p:ext>
     </p:extLst>
   </p:cSld>
